--- a/data/Image-PP.pptx
+++ b/data/Image-PP.pptx
@@ -2,12 +2,12 @@
 <file path=ppt/presentation.xml><?xml version="1.0" encoding="utf-8"?>
 <p:presentation xmlns:a="http://schemas.openxmlformats.org/drawingml/2006/main" xmlns:r="http://schemas.openxmlformats.org/officeDocument/2006/relationships" xmlns:p="http://schemas.openxmlformats.org/presentationml/2006/main" saveSubsetFonts="1">
   <p:sldMasterIdLst>
-    <p:sldMasterId id="2147483780" r:id="rId1"/>
+    <p:sldMasterId id="2147483804" r:id="rId1"/>
   </p:sldMasterIdLst>
   <p:sldIdLst>
     <p:sldId id="256" r:id="rId2"/>
   </p:sldIdLst>
-  <p:sldSz cx="34747200" cy="5486400"/>
+  <p:sldSz cx="34747200" cy="6072188"/>
   <p:notesSz cx="6858000" cy="9144000"/>
   <p:defaultTextStyle>
     <a:defPPr>
@@ -245,7 +245,7 @@
           <c:x val="0.36942147856517937"/>
           <c:y val="0.17260717410323709"/>
           <c:w val="0.43751430810731989"/>
-          <c:h val="0.65411662415050464"/>
+          <c:h val="0.6045134365256587"/>
         </c:manualLayout>
       </c:layout>
       <c:barChart>
@@ -420,14 +420,65 @@
             <a:effectLst/>
           </c:spPr>
         </c:majorGridlines>
+        <c:title>
+          <c:tx>
+            <c:rich>
+              <a:bodyPr rot="0" spcFirstLastPara="1" vertOverflow="ellipsis" vert="horz" wrap="square" anchor="ctr" anchorCtr="1"/>
+              <a:lstStyle/>
+              <a:p>
+                <a:pPr>
+                  <a:defRPr sz="3500" b="0" i="0" u="none" strike="noStrike" kern="1200" baseline="0">
+                    <a:solidFill>
+                      <a:sysClr val="windowText" lastClr="000000"/>
+                    </a:solidFill>
+                    <a:latin typeface="+mn-lt"/>
+                    <a:ea typeface="+mn-ea"/>
+                    <a:cs typeface="+mn-cs"/>
+                  </a:defRPr>
+                </a:pPr>
+                <a:r>
+                  <a:rPr lang="en-US" dirty="0"/>
+                  <a:t>Respondents</a:t>
+                </a:r>
+              </a:p>
+            </c:rich>
+          </c:tx>
+          <c:overlay val="0"/>
+          <c:spPr>
+            <a:noFill/>
+            <a:ln>
+              <a:noFill/>
+            </a:ln>
+            <a:effectLst/>
+          </c:spPr>
+          <c:txPr>
+            <a:bodyPr rot="0" spcFirstLastPara="1" vertOverflow="ellipsis" vert="horz" wrap="square" anchor="ctr" anchorCtr="1"/>
+            <a:lstStyle/>
+            <a:p>
+              <a:pPr>
+                <a:defRPr sz="3500" b="0" i="0" u="none" strike="noStrike" kern="1200" baseline="0">
+                  <a:solidFill>
+                    <a:sysClr val="windowText" lastClr="000000"/>
+                  </a:solidFill>
+                  <a:latin typeface="+mn-lt"/>
+                  <a:ea typeface="+mn-ea"/>
+                  <a:cs typeface="+mn-cs"/>
+                </a:defRPr>
+              </a:pPr>
+              <a:endParaRPr lang="en-US"/>
+            </a:p>
+          </c:txPr>
+        </c:title>
         <c:numFmt formatCode="General" sourceLinked="1"/>
-        <c:majorTickMark val="none"/>
+        <c:majorTickMark val="out"/>
         <c:minorTickMark val="none"/>
         <c:tickLblPos val="low"/>
         <c:spPr>
           <a:noFill/>
-          <a:ln>
-            <a:noFill/>
+          <a:ln w="38100">
+            <a:solidFill>
+              <a:schemeClr val="tx1"/>
+            </a:solidFill>
           </a:ln>
           <a:effectLst/>
         </c:spPr>
@@ -698,7 +749,7 @@
           <c:x val="0.38818660688247303"/>
           <c:y val="0.17762510936132983"/>
           <c:w val="0.43870115193934089"/>
-          <c:h val="0.64969881889763781"/>
+          <c:h val="0.59811135753910294"/>
         </c:manualLayout>
       </c:layout>
       <c:barChart>
@@ -870,14 +921,65 @@
             <a:effectLst/>
           </c:spPr>
         </c:majorGridlines>
+        <c:title>
+          <c:tx>
+            <c:rich>
+              <a:bodyPr rot="0" spcFirstLastPara="1" vertOverflow="ellipsis" vert="horz" wrap="square" anchor="ctr" anchorCtr="1"/>
+              <a:lstStyle/>
+              <a:p>
+                <a:pPr>
+                  <a:defRPr sz="3500" b="0" i="0" u="none" strike="noStrike" kern="1200" baseline="0">
+                    <a:solidFill>
+                      <a:sysClr val="windowText" lastClr="000000"/>
+                    </a:solidFill>
+                    <a:latin typeface="+mn-lt"/>
+                    <a:ea typeface="+mn-ea"/>
+                    <a:cs typeface="+mn-cs"/>
+                  </a:defRPr>
+                </a:pPr>
+                <a:r>
+                  <a:rPr lang="en-US" dirty="0"/>
+                  <a:t>Respondents</a:t>
+                </a:r>
+              </a:p>
+            </c:rich>
+          </c:tx>
+          <c:overlay val="0"/>
+          <c:spPr>
+            <a:noFill/>
+            <a:ln>
+              <a:noFill/>
+            </a:ln>
+            <a:effectLst/>
+          </c:spPr>
+          <c:txPr>
+            <a:bodyPr rot="0" spcFirstLastPara="1" vertOverflow="ellipsis" vert="horz" wrap="square" anchor="ctr" anchorCtr="1"/>
+            <a:lstStyle/>
+            <a:p>
+              <a:pPr>
+                <a:defRPr sz="3500" b="0" i="0" u="none" strike="noStrike" kern="1200" baseline="0">
+                  <a:solidFill>
+                    <a:sysClr val="windowText" lastClr="000000"/>
+                  </a:solidFill>
+                  <a:latin typeface="+mn-lt"/>
+                  <a:ea typeface="+mn-ea"/>
+                  <a:cs typeface="+mn-cs"/>
+                </a:defRPr>
+              </a:pPr>
+              <a:endParaRPr lang="en-US"/>
+            </a:p>
+          </c:txPr>
+        </c:title>
         <c:numFmt formatCode="General" sourceLinked="1"/>
-        <c:majorTickMark val="none"/>
+        <c:majorTickMark val="out"/>
         <c:minorTickMark val="none"/>
         <c:tickLblPos val="low"/>
         <c:spPr>
           <a:noFill/>
-          <a:ln>
-            <a:noFill/>
+          <a:ln w="38100">
+            <a:solidFill>
+              <a:schemeClr val="tx1"/>
+            </a:solidFill>
           </a:ln>
           <a:effectLst/>
         </c:spPr>
@@ -1202,7 +1304,7 @@
           <c:x val="0.38408606736657924"/>
           <c:y val="0.17762510936132983"/>
           <c:w val="0.43817202537182859"/>
-          <c:h val="0.64969881889763781"/>
+          <c:h val="0.59811148311380313"/>
         </c:manualLayout>
       </c:layout>
       <c:barChart>
@@ -1374,14 +1476,65 @@
             <a:effectLst/>
           </c:spPr>
         </c:majorGridlines>
+        <c:title>
+          <c:tx>
+            <c:rich>
+              <a:bodyPr rot="0" spcFirstLastPara="1" vertOverflow="ellipsis" vert="horz" wrap="square" anchor="ctr" anchorCtr="1"/>
+              <a:lstStyle/>
+              <a:p>
+                <a:pPr>
+                  <a:defRPr sz="3500" b="0" i="0" u="none" strike="noStrike" kern="1200" baseline="0">
+                    <a:solidFill>
+                      <a:sysClr val="windowText" lastClr="000000"/>
+                    </a:solidFill>
+                    <a:latin typeface="+mn-lt"/>
+                    <a:ea typeface="+mn-ea"/>
+                    <a:cs typeface="+mn-cs"/>
+                  </a:defRPr>
+                </a:pPr>
+                <a:r>
+                  <a:rPr lang="en-US" dirty="0"/>
+                  <a:t>Respondents</a:t>
+                </a:r>
+              </a:p>
+            </c:rich>
+          </c:tx>
+          <c:overlay val="0"/>
+          <c:spPr>
+            <a:noFill/>
+            <a:ln>
+              <a:noFill/>
+            </a:ln>
+            <a:effectLst/>
+          </c:spPr>
+          <c:txPr>
+            <a:bodyPr rot="0" spcFirstLastPara="1" vertOverflow="ellipsis" vert="horz" wrap="square" anchor="ctr" anchorCtr="1"/>
+            <a:lstStyle/>
+            <a:p>
+              <a:pPr>
+                <a:defRPr sz="3500" b="0" i="0" u="none" strike="noStrike" kern="1200" baseline="0">
+                  <a:solidFill>
+                    <a:sysClr val="windowText" lastClr="000000"/>
+                  </a:solidFill>
+                  <a:latin typeface="+mn-lt"/>
+                  <a:ea typeface="+mn-ea"/>
+                  <a:cs typeface="+mn-cs"/>
+                </a:defRPr>
+              </a:pPr>
+              <a:endParaRPr lang="en-US"/>
+            </a:p>
+          </c:txPr>
+        </c:title>
         <c:numFmt formatCode="General" sourceLinked="1"/>
-        <c:majorTickMark val="none"/>
+        <c:majorTickMark val="out"/>
         <c:minorTickMark val="none"/>
         <c:tickLblPos val="low"/>
         <c:spPr>
           <a:noFill/>
-          <a:ln>
-            <a:noFill/>
+          <a:ln w="38100">
+            <a:solidFill>
+              <a:schemeClr val="tx1"/>
+            </a:solidFill>
           </a:ln>
           <a:effectLst/>
         </c:spPr>
@@ -1760,7 +1913,7 @@
           <c:x val="0.43005340478273552"/>
           <c:y val="0.16497685185185185"/>
           <c:w val="0.4361387248468942"/>
-          <c:h val="0.6696487678623505"/>
+          <c:h val="0.60615673040869888"/>
         </c:manualLayout>
       </c:layout>
       <c:barChart>
@@ -1941,14 +2094,65 @@
             <a:effectLst/>
           </c:spPr>
         </c:majorGridlines>
+        <c:title>
+          <c:tx>
+            <c:rich>
+              <a:bodyPr rot="0" spcFirstLastPara="1" vertOverflow="ellipsis" vert="horz" wrap="square" anchor="ctr" anchorCtr="1"/>
+              <a:lstStyle/>
+              <a:p>
+                <a:pPr>
+                  <a:defRPr sz="3500" b="0" i="0" u="none" strike="noStrike" kern="1200" baseline="0">
+                    <a:solidFill>
+                      <a:sysClr val="windowText" lastClr="000000"/>
+                    </a:solidFill>
+                    <a:latin typeface="+mn-lt"/>
+                    <a:ea typeface="+mn-ea"/>
+                    <a:cs typeface="+mn-cs"/>
+                  </a:defRPr>
+                </a:pPr>
+                <a:r>
+                  <a:rPr lang="en-US" dirty="0"/>
+                  <a:t>Respondents</a:t>
+                </a:r>
+              </a:p>
+            </c:rich>
+          </c:tx>
+          <c:overlay val="0"/>
+          <c:spPr>
+            <a:noFill/>
+            <a:ln>
+              <a:noFill/>
+            </a:ln>
+            <a:effectLst/>
+          </c:spPr>
+          <c:txPr>
+            <a:bodyPr rot="0" spcFirstLastPara="1" vertOverflow="ellipsis" vert="horz" wrap="square" anchor="ctr" anchorCtr="1"/>
+            <a:lstStyle/>
+            <a:p>
+              <a:pPr>
+                <a:defRPr sz="3500" b="0" i="0" u="none" strike="noStrike" kern="1200" baseline="0">
+                  <a:solidFill>
+                    <a:sysClr val="windowText" lastClr="000000"/>
+                  </a:solidFill>
+                  <a:latin typeface="+mn-lt"/>
+                  <a:ea typeface="+mn-ea"/>
+                  <a:cs typeface="+mn-cs"/>
+                </a:defRPr>
+              </a:pPr>
+              <a:endParaRPr lang="en-US"/>
+            </a:p>
+          </c:txPr>
+        </c:title>
         <c:numFmt formatCode="General" sourceLinked="1"/>
-        <c:majorTickMark val="none"/>
+        <c:majorTickMark val="out"/>
         <c:minorTickMark val="none"/>
         <c:tickLblPos val="low"/>
         <c:spPr>
           <a:noFill/>
-          <a:ln>
-            <a:noFill/>
+          <a:ln w="38100">
+            <a:solidFill>
+              <a:schemeClr val="tx1"/>
+            </a:solidFill>
           </a:ln>
           <a:effectLst/>
         </c:spPr>
@@ -4241,15 +4445,15 @@
         </p:nvSpPr>
         <p:spPr>
           <a:xfrm>
-            <a:off x="4343400" y="897890"/>
-            <a:ext cx="26060400" cy="1910080"/>
+            <a:off x="4343400" y="993759"/>
+            <a:ext cx="26060400" cy="2114021"/>
           </a:xfrm>
         </p:spPr>
         <p:txBody>
           <a:bodyPr anchor="b"/>
           <a:lstStyle>
             <a:lvl1pPr algn="ctr">
-              <a:defRPr sz="4800"/>
+              <a:defRPr sz="5312"/>
             </a:lvl1pPr>
           </a:lstStyle>
           <a:p>
@@ -4273,8 +4477,8 @@
         </p:nvSpPr>
         <p:spPr>
           <a:xfrm>
-            <a:off x="4343400" y="2881630"/>
-            <a:ext cx="26060400" cy="1324610"/>
+            <a:off x="4343400" y="3189305"/>
+            <a:ext cx="26060400" cy="1466039"/>
           </a:xfrm>
         </p:spPr>
         <p:txBody>
@@ -4282,39 +4486,39 @@
           <a:lstStyle>
             <a:lvl1pPr marL="0" indent="0" algn="ctr">
               <a:buNone/>
-              <a:defRPr sz="1920"/>
+              <a:defRPr sz="2125"/>
             </a:lvl1pPr>
-            <a:lvl2pPr marL="365760" indent="0" algn="ctr">
+            <a:lvl2pPr marL="404805" indent="0" algn="ctr">
               <a:buNone/>
-              <a:defRPr sz="1600"/>
+              <a:defRPr sz="1771"/>
             </a:lvl2pPr>
-            <a:lvl3pPr marL="731520" indent="0" algn="ctr">
+            <a:lvl3pPr marL="809610" indent="0" algn="ctr">
               <a:buNone/>
-              <a:defRPr sz="1440"/>
+              <a:defRPr sz="1594"/>
             </a:lvl3pPr>
-            <a:lvl4pPr marL="1097280" indent="0" algn="ctr">
+            <a:lvl4pPr marL="1214415" indent="0" algn="ctr">
               <a:buNone/>
-              <a:defRPr sz="1280"/>
+              <a:defRPr sz="1417"/>
             </a:lvl4pPr>
-            <a:lvl5pPr marL="1463040" indent="0" algn="ctr">
+            <a:lvl5pPr marL="1619220" indent="0" algn="ctr">
               <a:buNone/>
-              <a:defRPr sz="1280"/>
+              <a:defRPr sz="1417"/>
             </a:lvl5pPr>
-            <a:lvl6pPr marL="1828800" indent="0" algn="ctr">
+            <a:lvl6pPr marL="2024024" indent="0" algn="ctr">
               <a:buNone/>
-              <a:defRPr sz="1280"/>
+              <a:defRPr sz="1417"/>
             </a:lvl6pPr>
-            <a:lvl7pPr marL="2194560" indent="0" algn="ctr">
+            <a:lvl7pPr marL="2428829" indent="0" algn="ctr">
               <a:buNone/>
-              <a:defRPr sz="1280"/>
+              <a:defRPr sz="1417"/>
             </a:lvl7pPr>
-            <a:lvl8pPr marL="2560320" indent="0" algn="ctr">
+            <a:lvl8pPr marL="2833634" indent="0" algn="ctr">
               <a:buNone/>
-              <a:defRPr sz="1280"/>
+              <a:defRPr sz="1417"/>
             </a:lvl8pPr>
-            <a:lvl9pPr marL="2926080" indent="0" algn="ctr">
+            <a:lvl9pPr marL="3238439" indent="0" algn="ctr">
               <a:buNone/>
-              <a:defRPr sz="1280"/>
+              <a:defRPr sz="1417"/>
             </a:lvl9pPr>
           </a:lstStyle>
           <a:p>
@@ -4343,7 +4547,7 @@
           <a:p>
             <a:fld id="{9E87C7ED-B07F-4FDA-BEAF-E8878F2D93C7}" type="datetimeFigureOut">
               <a:rPr lang="en-US" smtClean="0"/>
-              <a:t>8/24/2020</a:t>
+              <a:t>8/26/2020</a:t>
             </a:fld>
             <a:endParaRPr lang="en-US"/>
           </a:p>
@@ -4394,7 +4598,7 @@
     </p:spTree>
     <p:extLst>
       <p:ext uri="{BB962C8B-B14F-4D97-AF65-F5344CB8AC3E}">
-        <p14:creationId xmlns:p14="http://schemas.microsoft.com/office/powerpoint/2010/main" val="1173474018"/>
+        <p14:creationId xmlns:p14="http://schemas.microsoft.com/office/powerpoint/2010/main" val="1818511894"/>
       </p:ext>
     </p:extLst>
   </p:cSld>
@@ -4513,7 +4717,7 @@
           <a:p>
             <a:fld id="{9E87C7ED-B07F-4FDA-BEAF-E8878F2D93C7}" type="datetimeFigureOut">
               <a:rPr lang="en-US" smtClean="0"/>
-              <a:t>8/24/2020</a:t>
+              <a:t>8/26/2020</a:t>
             </a:fld>
             <a:endParaRPr lang="en-US"/>
           </a:p>
@@ -4564,7 +4768,7 @@
     </p:spTree>
     <p:extLst>
       <p:ext uri="{BB962C8B-B14F-4D97-AF65-F5344CB8AC3E}">
-        <p14:creationId xmlns:p14="http://schemas.microsoft.com/office/powerpoint/2010/main" val="4185824090"/>
+        <p14:creationId xmlns:p14="http://schemas.microsoft.com/office/powerpoint/2010/main" val="631297432"/>
       </p:ext>
     </p:extLst>
   </p:cSld>
@@ -4603,8 +4807,8 @@
         </p:nvSpPr>
         <p:spPr>
           <a:xfrm>
-            <a:off x="24865965" y="292100"/>
-            <a:ext cx="7492365" cy="4649470"/>
+            <a:off x="24865965" y="323288"/>
+            <a:ext cx="7492365" cy="5145899"/>
           </a:xfrm>
         </p:spPr>
         <p:txBody>
@@ -4631,8 +4835,8 @@
         </p:nvSpPr>
         <p:spPr>
           <a:xfrm>
-            <a:off x="2388870" y="292100"/>
-            <a:ext cx="22042755" cy="4649470"/>
+            <a:off x="2388870" y="323288"/>
+            <a:ext cx="22042755" cy="5145899"/>
           </a:xfrm>
         </p:spPr>
         <p:txBody>
@@ -4693,7 +4897,7 @@
           <a:p>
             <a:fld id="{9E87C7ED-B07F-4FDA-BEAF-E8878F2D93C7}" type="datetimeFigureOut">
               <a:rPr lang="en-US" smtClean="0"/>
-              <a:t>8/24/2020</a:t>
+              <a:t>8/26/2020</a:t>
             </a:fld>
             <a:endParaRPr lang="en-US"/>
           </a:p>
@@ -4744,7 +4948,7 @@
     </p:spTree>
     <p:extLst>
       <p:ext uri="{BB962C8B-B14F-4D97-AF65-F5344CB8AC3E}">
-        <p14:creationId xmlns:p14="http://schemas.microsoft.com/office/powerpoint/2010/main" val="3557951421"/>
+        <p14:creationId xmlns:p14="http://schemas.microsoft.com/office/powerpoint/2010/main" val="2357880853"/>
       </p:ext>
     </p:extLst>
   </p:cSld>
@@ -4863,7 +5067,7 @@
           <a:p>
             <a:fld id="{9E87C7ED-B07F-4FDA-BEAF-E8878F2D93C7}" type="datetimeFigureOut">
               <a:rPr lang="en-US" smtClean="0"/>
-              <a:t>8/24/2020</a:t>
+              <a:t>8/26/2020</a:t>
             </a:fld>
             <a:endParaRPr lang="en-US"/>
           </a:p>
@@ -4914,7 +5118,7 @@
     </p:spTree>
     <p:extLst>
       <p:ext uri="{BB962C8B-B14F-4D97-AF65-F5344CB8AC3E}">
-        <p14:creationId xmlns:p14="http://schemas.microsoft.com/office/powerpoint/2010/main" val="413862105"/>
+        <p14:creationId xmlns:p14="http://schemas.microsoft.com/office/powerpoint/2010/main" val="153218179"/>
       </p:ext>
     </p:extLst>
   </p:cSld>
@@ -4953,15 +5157,15 @@
         </p:nvSpPr>
         <p:spPr>
           <a:xfrm>
-            <a:off x="2370773" y="1367791"/>
-            <a:ext cx="29969460" cy="2282190"/>
+            <a:off x="2370773" y="1513831"/>
+            <a:ext cx="29969460" cy="2525861"/>
           </a:xfrm>
         </p:spPr>
         <p:txBody>
           <a:bodyPr anchor="b"/>
           <a:lstStyle>
             <a:lvl1pPr>
-              <a:defRPr sz="4800"/>
+              <a:defRPr sz="5312"/>
             </a:lvl1pPr>
           </a:lstStyle>
           <a:p>
@@ -4985,8 +5189,8 @@
         </p:nvSpPr>
         <p:spPr>
           <a:xfrm>
-            <a:off x="2370773" y="3671571"/>
-            <a:ext cx="29969460" cy="1200150"/>
+            <a:off x="2370773" y="4063588"/>
+            <a:ext cx="29969460" cy="1328291"/>
           </a:xfrm>
         </p:spPr>
         <p:txBody>
@@ -4994,7 +5198,7 @@
           <a:lstStyle>
             <a:lvl1pPr marL="0" indent="0">
               <a:buNone/>
-              <a:defRPr sz="1920">
+              <a:defRPr sz="2125">
                 <a:solidFill>
                   <a:schemeClr val="tx1">
                     <a:tint val="75000"/>
@@ -5002,9 +5206,9 @@
                 </a:solidFill>
               </a:defRPr>
             </a:lvl1pPr>
-            <a:lvl2pPr marL="365760" indent="0">
+            <a:lvl2pPr marL="404805" indent="0">
               <a:buNone/>
-              <a:defRPr sz="1600">
+              <a:defRPr sz="1771">
                 <a:solidFill>
                   <a:schemeClr val="tx1">
                     <a:tint val="75000"/>
@@ -5012,9 +5216,9 @@
                 </a:solidFill>
               </a:defRPr>
             </a:lvl2pPr>
-            <a:lvl3pPr marL="731520" indent="0">
+            <a:lvl3pPr marL="809610" indent="0">
               <a:buNone/>
-              <a:defRPr sz="1440">
+              <a:defRPr sz="1594">
                 <a:solidFill>
                   <a:schemeClr val="tx1">
                     <a:tint val="75000"/>
@@ -5022,9 +5226,9 @@
                 </a:solidFill>
               </a:defRPr>
             </a:lvl3pPr>
-            <a:lvl4pPr marL="1097280" indent="0">
+            <a:lvl4pPr marL="1214415" indent="0">
               <a:buNone/>
-              <a:defRPr sz="1280">
+              <a:defRPr sz="1417">
                 <a:solidFill>
                   <a:schemeClr val="tx1">
                     <a:tint val="75000"/>
@@ -5032,9 +5236,9 @@
                 </a:solidFill>
               </a:defRPr>
             </a:lvl4pPr>
-            <a:lvl5pPr marL="1463040" indent="0">
+            <a:lvl5pPr marL="1619220" indent="0">
               <a:buNone/>
-              <a:defRPr sz="1280">
+              <a:defRPr sz="1417">
                 <a:solidFill>
                   <a:schemeClr val="tx1">
                     <a:tint val="75000"/>
@@ -5042,9 +5246,9 @@
                 </a:solidFill>
               </a:defRPr>
             </a:lvl5pPr>
-            <a:lvl6pPr marL="1828800" indent="0">
+            <a:lvl6pPr marL="2024024" indent="0">
               <a:buNone/>
-              <a:defRPr sz="1280">
+              <a:defRPr sz="1417">
                 <a:solidFill>
                   <a:schemeClr val="tx1">
                     <a:tint val="75000"/>
@@ -5052,9 +5256,9 @@
                 </a:solidFill>
               </a:defRPr>
             </a:lvl6pPr>
-            <a:lvl7pPr marL="2194560" indent="0">
+            <a:lvl7pPr marL="2428829" indent="0">
               <a:buNone/>
-              <a:defRPr sz="1280">
+              <a:defRPr sz="1417">
                 <a:solidFill>
                   <a:schemeClr val="tx1">
                     <a:tint val="75000"/>
@@ -5062,9 +5266,9 @@
                 </a:solidFill>
               </a:defRPr>
             </a:lvl7pPr>
-            <a:lvl8pPr marL="2560320" indent="0">
+            <a:lvl8pPr marL="2833634" indent="0">
               <a:buNone/>
-              <a:defRPr sz="1280">
+              <a:defRPr sz="1417">
                 <a:solidFill>
                   <a:schemeClr val="tx1">
                     <a:tint val="75000"/>
@@ -5072,9 +5276,9 @@
                 </a:solidFill>
               </a:defRPr>
             </a:lvl8pPr>
-            <a:lvl9pPr marL="2926080" indent="0">
+            <a:lvl9pPr marL="3238439" indent="0">
               <a:buNone/>
-              <a:defRPr sz="1280">
+              <a:defRPr sz="1417">
                 <a:solidFill>
                   <a:schemeClr val="tx1">
                     <a:tint val="75000"/>
@@ -5109,7 +5313,7 @@
           <a:p>
             <a:fld id="{9E87C7ED-B07F-4FDA-BEAF-E8878F2D93C7}" type="datetimeFigureOut">
               <a:rPr lang="en-US" smtClean="0"/>
-              <a:t>8/24/2020</a:t>
+              <a:t>8/26/2020</a:t>
             </a:fld>
             <a:endParaRPr lang="en-US"/>
           </a:p>
@@ -5160,7 +5364,7 @@
     </p:spTree>
     <p:extLst>
       <p:ext uri="{BB962C8B-B14F-4D97-AF65-F5344CB8AC3E}">
-        <p14:creationId xmlns:p14="http://schemas.microsoft.com/office/powerpoint/2010/main" val="4079752970"/>
+        <p14:creationId xmlns:p14="http://schemas.microsoft.com/office/powerpoint/2010/main" val="2834122624"/>
       </p:ext>
     </p:extLst>
   </p:cSld>
@@ -5222,8 +5426,8 @@
         </p:nvSpPr>
         <p:spPr>
           <a:xfrm>
-            <a:off x="2388870" y="1460500"/>
-            <a:ext cx="14767560" cy="3481070"/>
+            <a:off x="2388870" y="1616439"/>
+            <a:ext cx="14767560" cy="3852748"/>
           </a:xfrm>
         </p:spPr>
         <p:txBody>
@@ -5279,8 +5483,8 @@
         </p:nvSpPr>
         <p:spPr>
           <a:xfrm>
-            <a:off x="17590770" y="1460500"/>
-            <a:ext cx="14767560" cy="3481070"/>
+            <a:off x="17590770" y="1616439"/>
+            <a:ext cx="14767560" cy="3852748"/>
           </a:xfrm>
         </p:spPr>
         <p:txBody>
@@ -5341,7 +5545,7 @@
           <a:p>
             <a:fld id="{9E87C7ED-B07F-4FDA-BEAF-E8878F2D93C7}" type="datetimeFigureOut">
               <a:rPr lang="en-US" smtClean="0"/>
-              <a:t>8/24/2020</a:t>
+              <a:t>8/26/2020</a:t>
             </a:fld>
             <a:endParaRPr lang="en-US"/>
           </a:p>
@@ -5392,7 +5596,7 @@
     </p:spTree>
     <p:extLst>
       <p:ext uri="{BB962C8B-B14F-4D97-AF65-F5344CB8AC3E}">
-        <p14:creationId xmlns:p14="http://schemas.microsoft.com/office/powerpoint/2010/main" val="3292828641"/>
+        <p14:creationId xmlns:p14="http://schemas.microsoft.com/office/powerpoint/2010/main" val="1105874825"/>
       </p:ext>
     </p:extLst>
   </p:cSld>
@@ -5431,8 +5635,8 @@
         </p:nvSpPr>
         <p:spPr>
           <a:xfrm>
-            <a:off x="2393396" y="292101"/>
-            <a:ext cx="29969460" cy="1060450"/>
+            <a:off x="2393396" y="323288"/>
+            <a:ext cx="29969460" cy="1173676"/>
           </a:xfrm>
         </p:spPr>
         <p:txBody>
@@ -5459,8 +5663,8 @@
         </p:nvSpPr>
         <p:spPr>
           <a:xfrm>
-            <a:off x="2393397" y="1344930"/>
-            <a:ext cx="14699693" cy="659130"/>
+            <a:off x="2393397" y="1488530"/>
+            <a:ext cx="14699693" cy="729505"/>
           </a:xfrm>
         </p:spPr>
         <p:txBody>
@@ -5468,39 +5672,39 @@
           <a:lstStyle>
             <a:lvl1pPr marL="0" indent="0">
               <a:buNone/>
-              <a:defRPr sz="1920" b="1"/>
+              <a:defRPr sz="2125" b="1"/>
             </a:lvl1pPr>
-            <a:lvl2pPr marL="365760" indent="0">
+            <a:lvl2pPr marL="404805" indent="0">
               <a:buNone/>
-              <a:defRPr sz="1600" b="1"/>
+              <a:defRPr sz="1771" b="1"/>
             </a:lvl2pPr>
-            <a:lvl3pPr marL="731520" indent="0">
+            <a:lvl3pPr marL="809610" indent="0">
               <a:buNone/>
-              <a:defRPr sz="1440" b="1"/>
+              <a:defRPr sz="1594" b="1"/>
             </a:lvl3pPr>
-            <a:lvl4pPr marL="1097280" indent="0">
+            <a:lvl4pPr marL="1214415" indent="0">
               <a:buNone/>
-              <a:defRPr sz="1280" b="1"/>
+              <a:defRPr sz="1417" b="1"/>
             </a:lvl4pPr>
-            <a:lvl5pPr marL="1463040" indent="0">
+            <a:lvl5pPr marL="1619220" indent="0">
               <a:buNone/>
-              <a:defRPr sz="1280" b="1"/>
+              <a:defRPr sz="1417" b="1"/>
             </a:lvl5pPr>
-            <a:lvl6pPr marL="1828800" indent="0">
+            <a:lvl6pPr marL="2024024" indent="0">
               <a:buNone/>
-              <a:defRPr sz="1280" b="1"/>
+              <a:defRPr sz="1417" b="1"/>
             </a:lvl6pPr>
-            <a:lvl7pPr marL="2194560" indent="0">
+            <a:lvl7pPr marL="2428829" indent="0">
               <a:buNone/>
-              <a:defRPr sz="1280" b="1"/>
+              <a:defRPr sz="1417" b="1"/>
             </a:lvl7pPr>
-            <a:lvl8pPr marL="2560320" indent="0">
+            <a:lvl8pPr marL="2833634" indent="0">
               <a:buNone/>
-              <a:defRPr sz="1280" b="1"/>
+              <a:defRPr sz="1417" b="1"/>
             </a:lvl8pPr>
-            <a:lvl9pPr marL="2926080" indent="0">
+            <a:lvl9pPr marL="3238439" indent="0">
               <a:buNone/>
-              <a:defRPr sz="1280" b="1"/>
+              <a:defRPr sz="1417" b="1"/>
             </a:lvl9pPr>
           </a:lstStyle>
           <a:p>
@@ -5524,8 +5728,8 @@
         </p:nvSpPr>
         <p:spPr>
           <a:xfrm>
-            <a:off x="2393397" y="2004060"/>
-            <a:ext cx="14699693" cy="2947670"/>
+            <a:off x="2393397" y="2218035"/>
+            <a:ext cx="14699693" cy="3262396"/>
           </a:xfrm>
         </p:spPr>
         <p:txBody>
@@ -5581,8 +5785,8 @@
         </p:nvSpPr>
         <p:spPr>
           <a:xfrm>
-            <a:off x="17590770" y="1344930"/>
-            <a:ext cx="14772086" cy="659130"/>
+            <a:off x="17590770" y="1488530"/>
+            <a:ext cx="14772086" cy="729505"/>
           </a:xfrm>
         </p:spPr>
         <p:txBody>
@@ -5590,39 +5794,39 @@
           <a:lstStyle>
             <a:lvl1pPr marL="0" indent="0">
               <a:buNone/>
-              <a:defRPr sz="1920" b="1"/>
+              <a:defRPr sz="2125" b="1"/>
             </a:lvl1pPr>
-            <a:lvl2pPr marL="365760" indent="0">
+            <a:lvl2pPr marL="404805" indent="0">
               <a:buNone/>
-              <a:defRPr sz="1600" b="1"/>
+              <a:defRPr sz="1771" b="1"/>
             </a:lvl2pPr>
-            <a:lvl3pPr marL="731520" indent="0">
+            <a:lvl3pPr marL="809610" indent="0">
               <a:buNone/>
-              <a:defRPr sz="1440" b="1"/>
+              <a:defRPr sz="1594" b="1"/>
             </a:lvl3pPr>
-            <a:lvl4pPr marL="1097280" indent="0">
+            <a:lvl4pPr marL="1214415" indent="0">
               <a:buNone/>
-              <a:defRPr sz="1280" b="1"/>
+              <a:defRPr sz="1417" b="1"/>
             </a:lvl4pPr>
-            <a:lvl5pPr marL="1463040" indent="0">
+            <a:lvl5pPr marL="1619220" indent="0">
               <a:buNone/>
-              <a:defRPr sz="1280" b="1"/>
+              <a:defRPr sz="1417" b="1"/>
             </a:lvl5pPr>
-            <a:lvl6pPr marL="1828800" indent="0">
+            <a:lvl6pPr marL="2024024" indent="0">
               <a:buNone/>
-              <a:defRPr sz="1280" b="1"/>
+              <a:defRPr sz="1417" b="1"/>
             </a:lvl6pPr>
-            <a:lvl7pPr marL="2194560" indent="0">
+            <a:lvl7pPr marL="2428829" indent="0">
               <a:buNone/>
-              <a:defRPr sz="1280" b="1"/>
+              <a:defRPr sz="1417" b="1"/>
             </a:lvl7pPr>
-            <a:lvl8pPr marL="2560320" indent="0">
+            <a:lvl8pPr marL="2833634" indent="0">
               <a:buNone/>
-              <a:defRPr sz="1280" b="1"/>
+              <a:defRPr sz="1417" b="1"/>
             </a:lvl8pPr>
-            <a:lvl9pPr marL="2926080" indent="0">
+            <a:lvl9pPr marL="3238439" indent="0">
               <a:buNone/>
-              <a:defRPr sz="1280" b="1"/>
+              <a:defRPr sz="1417" b="1"/>
             </a:lvl9pPr>
           </a:lstStyle>
           <a:p>
@@ -5646,8 +5850,8 @@
         </p:nvSpPr>
         <p:spPr>
           <a:xfrm>
-            <a:off x="17590770" y="2004060"/>
-            <a:ext cx="14772086" cy="2947670"/>
+            <a:off x="17590770" y="2218035"/>
+            <a:ext cx="14772086" cy="3262396"/>
           </a:xfrm>
         </p:spPr>
         <p:txBody>
@@ -5708,7 +5912,7 @@
           <a:p>
             <a:fld id="{9E87C7ED-B07F-4FDA-BEAF-E8878F2D93C7}" type="datetimeFigureOut">
               <a:rPr lang="en-US" smtClean="0"/>
-              <a:t>8/24/2020</a:t>
+              <a:t>8/26/2020</a:t>
             </a:fld>
             <a:endParaRPr lang="en-US"/>
           </a:p>
@@ -5759,7 +5963,7 @@
     </p:spTree>
     <p:extLst>
       <p:ext uri="{BB962C8B-B14F-4D97-AF65-F5344CB8AC3E}">
-        <p14:creationId xmlns:p14="http://schemas.microsoft.com/office/powerpoint/2010/main" val="2671422515"/>
+        <p14:creationId xmlns:p14="http://schemas.microsoft.com/office/powerpoint/2010/main" val="2446822735"/>
       </p:ext>
     </p:extLst>
   </p:cSld>
@@ -5826,7 +6030,7 @@
           <a:p>
             <a:fld id="{9E87C7ED-B07F-4FDA-BEAF-E8878F2D93C7}" type="datetimeFigureOut">
               <a:rPr lang="en-US" smtClean="0"/>
-              <a:t>8/24/2020</a:t>
+              <a:t>8/26/2020</a:t>
             </a:fld>
             <a:endParaRPr lang="en-US"/>
           </a:p>
@@ -5877,7 +6081,7 @@
     </p:spTree>
     <p:extLst>
       <p:ext uri="{BB962C8B-B14F-4D97-AF65-F5344CB8AC3E}">
-        <p14:creationId xmlns:p14="http://schemas.microsoft.com/office/powerpoint/2010/main" val="1988252585"/>
+        <p14:creationId xmlns:p14="http://schemas.microsoft.com/office/powerpoint/2010/main" val="346706755"/>
       </p:ext>
     </p:extLst>
   </p:cSld>
@@ -5921,7 +6125,7 @@
           <a:p>
             <a:fld id="{9E87C7ED-B07F-4FDA-BEAF-E8878F2D93C7}" type="datetimeFigureOut">
               <a:rPr lang="en-US" smtClean="0"/>
-              <a:t>8/24/2020</a:t>
+              <a:t>8/26/2020</a:t>
             </a:fld>
             <a:endParaRPr lang="en-US"/>
           </a:p>
@@ -5972,7 +6176,7 @@
     </p:spTree>
     <p:extLst>
       <p:ext uri="{BB962C8B-B14F-4D97-AF65-F5344CB8AC3E}">
-        <p14:creationId xmlns:p14="http://schemas.microsoft.com/office/powerpoint/2010/main" val="2814458205"/>
+        <p14:creationId xmlns:p14="http://schemas.microsoft.com/office/powerpoint/2010/main" val="1643900801"/>
       </p:ext>
     </p:extLst>
   </p:cSld>
@@ -6011,15 +6215,15 @@
         </p:nvSpPr>
         <p:spPr>
           <a:xfrm>
-            <a:off x="2393397" y="365760"/>
-            <a:ext cx="11206875" cy="1280160"/>
+            <a:off x="2393397" y="404812"/>
+            <a:ext cx="11206875" cy="1416844"/>
           </a:xfrm>
         </p:spPr>
         <p:txBody>
           <a:bodyPr anchor="b"/>
           <a:lstStyle>
             <a:lvl1pPr>
-              <a:defRPr sz="2560"/>
+              <a:defRPr sz="2833"/>
             </a:lvl1pPr>
           </a:lstStyle>
           <a:p>
@@ -6043,39 +6247,39 @@
         </p:nvSpPr>
         <p:spPr>
           <a:xfrm>
-            <a:off x="14772086" y="789940"/>
-            <a:ext cx="17590770" cy="3898900"/>
+            <a:off x="14772086" y="874283"/>
+            <a:ext cx="17590770" cy="4315189"/>
           </a:xfrm>
         </p:spPr>
         <p:txBody>
           <a:bodyPr/>
           <a:lstStyle>
             <a:lvl1pPr>
-              <a:defRPr sz="2560"/>
+              <a:defRPr sz="2833"/>
             </a:lvl1pPr>
             <a:lvl2pPr>
-              <a:defRPr sz="2240"/>
+              <a:defRPr sz="2479"/>
             </a:lvl2pPr>
             <a:lvl3pPr>
-              <a:defRPr sz="1920"/>
+              <a:defRPr sz="2125"/>
             </a:lvl3pPr>
             <a:lvl4pPr>
-              <a:defRPr sz="1600"/>
+              <a:defRPr sz="1771"/>
             </a:lvl4pPr>
             <a:lvl5pPr>
-              <a:defRPr sz="1600"/>
+              <a:defRPr sz="1771"/>
             </a:lvl5pPr>
             <a:lvl6pPr>
-              <a:defRPr sz="1600"/>
+              <a:defRPr sz="1771"/>
             </a:lvl6pPr>
             <a:lvl7pPr>
-              <a:defRPr sz="1600"/>
+              <a:defRPr sz="1771"/>
             </a:lvl7pPr>
             <a:lvl8pPr>
-              <a:defRPr sz="1600"/>
+              <a:defRPr sz="1771"/>
             </a:lvl8pPr>
             <a:lvl9pPr>
-              <a:defRPr sz="1600"/>
+              <a:defRPr sz="1771"/>
             </a:lvl9pPr>
           </a:lstStyle>
           <a:p>
@@ -6128,8 +6332,8 @@
         </p:nvSpPr>
         <p:spPr>
           <a:xfrm>
-            <a:off x="2393397" y="1645920"/>
-            <a:ext cx="11206875" cy="3049270"/>
+            <a:off x="2393397" y="1821656"/>
+            <a:ext cx="11206875" cy="3374844"/>
           </a:xfrm>
         </p:spPr>
         <p:txBody>
@@ -6137,39 +6341,39 @@
           <a:lstStyle>
             <a:lvl1pPr marL="0" indent="0">
               <a:buNone/>
-              <a:defRPr sz="1280"/>
+              <a:defRPr sz="1417"/>
             </a:lvl1pPr>
-            <a:lvl2pPr marL="365760" indent="0">
+            <a:lvl2pPr marL="404805" indent="0">
               <a:buNone/>
-              <a:defRPr sz="1120"/>
+              <a:defRPr sz="1240"/>
             </a:lvl2pPr>
-            <a:lvl3pPr marL="731520" indent="0">
+            <a:lvl3pPr marL="809610" indent="0">
               <a:buNone/>
-              <a:defRPr sz="960"/>
+              <a:defRPr sz="1062"/>
             </a:lvl3pPr>
-            <a:lvl4pPr marL="1097280" indent="0">
+            <a:lvl4pPr marL="1214415" indent="0">
               <a:buNone/>
-              <a:defRPr sz="800"/>
+              <a:defRPr sz="885"/>
             </a:lvl4pPr>
-            <a:lvl5pPr marL="1463040" indent="0">
+            <a:lvl5pPr marL="1619220" indent="0">
               <a:buNone/>
-              <a:defRPr sz="800"/>
+              <a:defRPr sz="885"/>
             </a:lvl5pPr>
-            <a:lvl6pPr marL="1828800" indent="0">
+            <a:lvl6pPr marL="2024024" indent="0">
               <a:buNone/>
-              <a:defRPr sz="800"/>
+              <a:defRPr sz="885"/>
             </a:lvl6pPr>
-            <a:lvl7pPr marL="2194560" indent="0">
+            <a:lvl7pPr marL="2428829" indent="0">
               <a:buNone/>
-              <a:defRPr sz="800"/>
+              <a:defRPr sz="885"/>
             </a:lvl7pPr>
-            <a:lvl8pPr marL="2560320" indent="0">
+            <a:lvl8pPr marL="2833634" indent="0">
               <a:buNone/>
-              <a:defRPr sz="800"/>
+              <a:defRPr sz="885"/>
             </a:lvl8pPr>
-            <a:lvl9pPr marL="2926080" indent="0">
+            <a:lvl9pPr marL="3238439" indent="0">
               <a:buNone/>
-              <a:defRPr sz="800"/>
+              <a:defRPr sz="885"/>
             </a:lvl9pPr>
           </a:lstStyle>
           <a:p>
@@ -6198,7 +6402,7 @@
           <a:p>
             <a:fld id="{9E87C7ED-B07F-4FDA-BEAF-E8878F2D93C7}" type="datetimeFigureOut">
               <a:rPr lang="en-US" smtClean="0"/>
-              <a:t>8/24/2020</a:t>
+              <a:t>8/26/2020</a:t>
             </a:fld>
             <a:endParaRPr lang="en-US"/>
           </a:p>
@@ -6249,7 +6453,7 @@
     </p:spTree>
     <p:extLst>
       <p:ext uri="{BB962C8B-B14F-4D97-AF65-F5344CB8AC3E}">
-        <p14:creationId xmlns:p14="http://schemas.microsoft.com/office/powerpoint/2010/main" val="1269954948"/>
+        <p14:creationId xmlns:p14="http://schemas.microsoft.com/office/powerpoint/2010/main" val="2449284013"/>
       </p:ext>
     </p:extLst>
   </p:cSld>
@@ -6288,15 +6492,15 @@
         </p:nvSpPr>
         <p:spPr>
           <a:xfrm>
-            <a:off x="2393397" y="365760"/>
-            <a:ext cx="11206875" cy="1280160"/>
+            <a:off x="2393397" y="404812"/>
+            <a:ext cx="11206875" cy="1416844"/>
           </a:xfrm>
         </p:spPr>
         <p:txBody>
           <a:bodyPr anchor="b"/>
           <a:lstStyle>
             <a:lvl1pPr>
-              <a:defRPr sz="2560"/>
+              <a:defRPr sz="2833"/>
             </a:lvl1pPr>
           </a:lstStyle>
           <a:p>
@@ -6320,8 +6524,8 @@
         </p:nvSpPr>
         <p:spPr>
           <a:xfrm>
-            <a:off x="14772086" y="789940"/>
-            <a:ext cx="17590770" cy="3898900"/>
+            <a:off x="14772086" y="874283"/>
+            <a:ext cx="17590770" cy="4315189"/>
           </a:xfrm>
         </p:spPr>
         <p:txBody>
@@ -6329,39 +6533,39 @@
           <a:lstStyle>
             <a:lvl1pPr marL="0" indent="0">
               <a:buNone/>
-              <a:defRPr sz="2560"/>
+              <a:defRPr sz="2833"/>
             </a:lvl1pPr>
-            <a:lvl2pPr marL="365760" indent="0">
+            <a:lvl2pPr marL="404805" indent="0">
               <a:buNone/>
-              <a:defRPr sz="2240"/>
+              <a:defRPr sz="2479"/>
             </a:lvl2pPr>
-            <a:lvl3pPr marL="731520" indent="0">
+            <a:lvl3pPr marL="809610" indent="0">
               <a:buNone/>
-              <a:defRPr sz="1920"/>
+              <a:defRPr sz="2125"/>
             </a:lvl3pPr>
-            <a:lvl4pPr marL="1097280" indent="0">
+            <a:lvl4pPr marL="1214415" indent="0">
               <a:buNone/>
-              <a:defRPr sz="1600"/>
+              <a:defRPr sz="1771"/>
             </a:lvl4pPr>
-            <a:lvl5pPr marL="1463040" indent="0">
+            <a:lvl5pPr marL="1619220" indent="0">
               <a:buNone/>
-              <a:defRPr sz="1600"/>
+              <a:defRPr sz="1771"/>
             </a:lvl5pPr>
-            <a:lvl6pPr marL="1828800" indent="0">
+            <a:lvl6pPr marL="2024024" indent="0">
               <a:buNone/>
-              <a:defRPr sz="1600"/>
+              <a:defRPr sz="1771"/>
             </a:lvl6pPr>
-            <a:lvl7pPr marL="2194560" indent="0">
+            <a:lvl7pPr marL="2428829" indent="0">
               <a:buNone/>
-              <a:defRPr sz="1600"/>
+              <a:defRPr sz="1771"/>
             </a:lvl7pPr>
-            <a:lvl8pPr marL="2560320" indent="0">
+            <a:lvl8pPr marL="2833634" indent="0">
               <a:buNone/>
-              <a:defRPr sz="1600"/>
+              <a:defRPr sz="1771"/>
             </a:lvl8pPr>
-            <a:lvl9pPr marL="2926080" indent="0">
+            <a:lvl9pPr marL="3238439" indent="0">
               <a:buNone/>
-              <a:defRPr sz="1600"/>
+              <a:defRPr sz="1771"/>
             </a:lvl9pPr>
           </a:lstStyle>
           <a:p>
@@ -6385,8 +6589,8 @@
         </p:nvSpPr>
         <p:spPr>
           <a:xfrm>
-            <a:off x="2393397" y="1645920"/>
-            <a:ext cx="11206875" cy="3049270"/>
+            <a:off x="2393397" y="1821656"/>
+            <a:ext cx="11206875" cy="3374844"/>
           </a:xfrm>
         </p:spPr>
         <p:txBody>
@@ -6394,39 +6598,39 @@
           <a:lstStyle>
             <a:lvl1pPr marL="0" indent="0">
               <a:buNone/>
-              <a:defRPr sz="1280"/>
+              <a:defRPr sz="1417"/>
             </a:lvl1pPr>
-            <a:lvl2pPr marL="365760" indent="0">
+            <a:lvl2pPr marL="404805" indent="0">
               <a:buNone/>
-              <a:defRPr sz="1120"/>
+              <a:defRPr sz="1240"/>
             </a:lvl2pPr>
-            <a:lvl3pPr marL="731520" indent="0">
+            <a:lvl3pPr marL="809610" indent="0">
               <a:buNone/>
-              <a:defRPr sz="960"/>
+              <a:defRPr sz="1062"/>
             </a:lvl3pPr>
-            <a:lvl4pPr marL="1097280" indent="0">
+            <a:lvl4pPr marL="1214415" indent="0">
               <a:buNone/>
-              <a:defRPr sz="800"/>
+              <a:defRPr sz="885"/>
             </a:lvl4pPr>
-            <a:lvl5pPr marL="1463040" indent="0">
+            <a:lvl5pPr marL="1619220" indent="0">
               <a:buNone/>
-              <a:defRPr sz="800"/>
+              <a:defRPr sz="885"/>
             </a:lvl5pPr>
-            <a:lvl6pPr marL="1828800" indent="0">
+            <a:lvl6pPr marL="2024024" indent="0">
               <a:buNone/>
-              <a:defRPr sz="800"/>
+              <a:defRPr sz="885"/>
             </a:lvl6pPr>
-            <a:lvl7pPr marL="2194560" indent="0">
+            <a:lvl7pPr marL="2428829" indent="0">
               <a:buNone/>
-              <a:defRPr sz="800"/>
+              <a:defRPr sz="885"/>
             </a:lvl7pPr>
-            <a:lvl8pPr marL="2560320" indent="0">
+            <a:lvl8pPr marL="2833634" indent="0">
               <a:buNone/>
-              <a:defRPr sz="800"/>
+              <a:defRPr sz="885"/>
             </a:lvl8pPr>
-            <a:lvl9pPr marL="2926080" indent="0">
+            <a:lvl9pPr marL="3238439" indent="0">
               <a:buNone/>
-              <a:defRPr sz="800"/>
+              <a:defRPr sz="885"/>
             </a:lvl9pPr>
           </a:lstStyle>
           <a:p>
@@ -6455,7 +6659,7 @@
           <a:p>
             <a:fld id="{9E87C7ED-B07F-4FDA-BEAF-E8878F2D93C7}" type="datetimeFigureOut">
               <a:rPr lang="en-US" smtClean="0"/>
-              <a:t>8/24/2020</a:t>
+              <a:t>8/26/2020</a:t>
             </a:fld>
             <a:endParaRPr lang="en-US"/>
           </a:p>
@@ -6506,7 +6710,7 @@
     </p:spTree>
     <p:extLst>
       <p:ext uri="{BB962C8B-B14F-4D97-AF65-F5344CB8AC3E}">
-        <p14:creationId xmlns:p14="http://schemas.microsoft.com/office/powerpoint/2010/main" val="3171402653"/>
+        <p14:creationId xmlns:p14="http://schemas.microsoft.com/office/powerpoint/2010/main" val="2069389962"/>
       </p:ext>
     </p:extLst>
   </p:cSld>
@@ -6550,8 +6754,8 @@
         </p:nvSpPr>
         <p:spPr>
           <a:xfrm>
-            <a:off x="2388870" y="292101"/>
-            <a:ext cx="29969460" cy="1060450"/>
+            <a:off x="2388870" y="323288"/>
+            <a:ext cx="29969460" cy="1173676"/>
           </a:xfrm>
           <a:prstGeom prst="rect">
             <a:avLst/>
@@ -6583,8 +6787,8 @@
         </p:nvSpPr>
         <p:spPr>
           <a:xfrm>
-            <a:off x="2388870" y="1460500"/>
-            <a:ext cx="29969460" cy="3481070"/>
+            <a:off x="2388870" y="1616439"/>
+            <a:ext cx="29969460" cy="3852748"/>
           </a:xfrm>
           <a:prstGeom prst="rect">
             <a:avLst/>
@@ -6645,8 +6849,8 @@
         </p:nvSpPr>
         <p:spPr>
           <a:xfrm>
-            <a:off x="2388870" y="5085080"/>
-            <a:ext cx="7818120" cy="292100"/>
+            <a:off x="2388870" y="5628019"/>
+            <a:ext cx="7818120" cy="323288"/>
           </a:xfrm>
           <a:prstGeom prst="rect">
             <a:avLst/>
@@ -6656,7 +6860,7 @@
           <a:bodyPr vert="horz" lIns="91440" tIns="45720" rIns="91440" bIns="45720" rtlCol="0" anchor="ctr"/>
           <a:lstStyle>
             <a:lvl1pPr algn="l">
-              <a:defRPr sz="960">
+              <a:defRPr sz="1062">
                 <a:solidFill>
                   <a:schemeClr val="tx1">
                     <a:tint val="75000"/>
@@ -6668,7 +6872,7 @@
           <a:p>
             <a:fld id="{9E87C7ED-B07F-4FDA-BEAF-E8878F2D93C7}" type="datetimeFigureOut">
               <a:rPr lang="en-US" smtClean="0"/>
-              <a:t>8/24/2020</a:t>
+              <a:t>8/26/2020</a:t>
             </a:fld>
             <a:endParaRPr lang="en-US"/>
           </a:p>
@@ -6686,8 +6890,8 @@
         </p:nvSpPr>
         <p:spPr>
           <a:xfrm>
-            <a:off x="11510010" y="5085080"/>
-            <a:ext cx="11727180" cy="292100"/>
+            <a:off x="11510010" y="5628019"/>
+            <a:ext cx="11727180" cy="323288"/>
           </a:xfrm>
           <a:prstGeom prst="rect">
             <a:avLst/>
@@ -6697,7 +6901,7 @@
           <a:bodyPr vert="horz" lIns="91440" tIns="45720" rIns="91440" bIns="45720" rtlCol="0" anchor="ctr"/>
           <a:lstStyle>
             <a:lvl1pPr algn="ctr">
-              <a:defRPr sz="960">
+              <a:defRPr sz="1062">
                 <a:solidFill>
                   <a:schemeClr val="tx1">
                     <a:tint val="75000"/>
@@ -6723,8 +6927,8 @@
         </p:nvSpPr>
         <p:spPr>
           <a:xfrm>
-            <a:off x="24540210" y="5085080"/>
-            <a:ext cx="7818120" cy="292100"/>
+            <a:off x="24540210" y="5628019"/>
+            <a:ext cx="7818120" cy="323288"/>
           </a:xfrm>
           <a:prstGeom prst="rect">
             <a:avLst/>
@@ -6734,7 +6938,7 @@
           <a:bodyPr vert="horz" lIns="91440" tIns="45720" rIns="91440" bIns="45720" rtlCol="0" anchor="ctr"/>
           <a:lstStyle>
             <a:lvl1pPr algn="r">
-              <a:defRPr sz="960">
+              <a:defRPr sz="1062">
                 <a:solidFill>
                   <a:schemeClr val="tx1">
                     <a:tint val="75000"/>
@@ -6755,27 +6959,27 @@
     </p:spTree>
     <p:extLst>
       <p:ext uri="{BB962C8B-B14F-4D97-AF65-F5344CB8AC3E}">
-        <p14:creationId xmlns:p14="http://schemas.microsoft.com/office/powerpoint/2010/main" val="1076514212"/>
+        <p14:creationId xmlns:p14="http://schemas.microsoft.com/office/powerpoint/2010/main" val="4054052513"/>
       </p:ext>
     </p:extLst>
   </p:cSld>
   <p:clrMap bg1="lt1" tx1="dk1" bg2="lt2" tx2="dk2" accent1="accent1" accent2="accent2" accent3="accent3" accent4="accent4" accent5="accent5" accent6="accent6" hlink="hlink" folHlink="folHlink"/>
   <p:sldLayoutIdLst>
-    <p:sldLayoutId id="2147483781" r:id="rId1"/>
-    <p:sldLayoutId id="2147483782" r:id="rId2"/>
-    <p:sldLayoutId id="2147483783" r:id="rId3"/>
-    <p:sldLayoutId id="2147483784" r:id="rId4"/>
-    <p:sldLayoutId id="2147483785" r:id="rId5"/>
-    <p:sldLayoutId id="2147483786" r:id="rId6"/>
-    <p:sldLayoutId id="2147483787" r:id="rId7"/>
-    <p:sldLayoutId id="2147483788" r:id="rId8"/>
-    <p:sldLayoutId id="2147483789" r:id="rId9"/>
-    <p:sldLayoutId id="2147483790" r:id="rId10"/>
-    <p:sldLayoutId id="2147483791" r:id="rId11"/>
+    <p:sldLayoutId id="2147483805" r:id="rId1"/>
+    <p:sldLayoutId id="2147483806" r:id="rId2"/>
+    <p:sldLayoutId id="2147483807" r:id="rId3"/>
+    <p:sldLayoutId id="2147483808" r:id="rId4"/>
+    <p:sldLayoutId id="2147483809" r:id="rId5"/>
+    <p:sldLayoutId id="2147483810" r:id="rId6"/>
+    <p:sldLayoutId id="2147483811" r:id="rId7"/>
+    <p:sldLayoutId id="2147483812" r:id="rId8"/>
+    <p:sldLayoutId id="2147483813" r:id="rId9"/>
+    <p:sldLayoutId id="2147483814" r:id="rId10"/>
+    <p:sldLayoutId id="2147483815" r:id="rId11"/>
   </p:sldLayoutIdLst>
   <p:txStyles>
     <p:titleStyle>
-      <a:lvl1pPr algn="l" defTabSz="731520" rtl="0" eaLnBrk="1" latinLnBrk="0" hangingPunct="1">
+      <a:lvl1pPr algn="l" defTabSz="809610" rtl="0" eaLnBrk="1" latinLnBrk="0" hangingPunct="1">
         <a:lnSpc>
           <a:spcPct val="90000"/>
         </a:lnSpc>
@@ -6783,7 +6987,7 @@
           <a:spcPct val="0"/>
         </a:spcBef>
         <a:buNone/>
-        <a:defRPr sz="3520" kern="1200">
+        <a:defRPr sz="3896" kern="1200">
           <a:solidFill>
             <a:schemeClr val="tx1"/>
           </a:solidFill>
@@ -6794,16 +6998,16 @@
       </a:lvl1pPr>
     </p:titleStyle>
     <p:bodyStyle>
-      <a:lvl1pPr marL="182880" indent="-182880" algn="l" defTabSz="731520" rtl="0" eaLnBrk="1" latinLnBrk="0" hangingPunct="1">
+      <a:lvl1pPr marL="202402" indent="-202402" algn="l" defTabSz="809610" rtl="0" eaLnBrk="1" latinLnBrk="0" hangingPunct="1">
         <a:lnSpc>
           <a:spcPct val="90000"/>
         </a:lnSpc>
         <a:spcBef>
-          <a:spcPts val="800"/>
+          <a:spcPts val="885"/>
         </a:spcBef>
         <a:buFont typeface="Arial" panose="020B0604020202020204" pitchFamily="34" charset="0"/>
         <a:buChar char="•"/>
-        <a:defRPr sz="2240" kern="1200">
+        <a:defRPr sz="2479" kern="1200">
           <a:solidFill>
             <a:schemeClr val="tx1"/>
           </a:solidFill>
@@ -6812,16 +7016,16 @@
           <a:cs typeface="+mn-cs"/>
         </a:defRPr>
       </a:lvl1pPr>
-      <a:lvl2pPr marL="548640" indent="-182880" algn="l" defTabSz="731520" rtl="0" eaLnBrk="1" latinLnBrk="0" hangingPunct="1">
+      <a:lvl2pPr marL="607207" indent="-202402" algn="l" defTabSz="809610" rtl="0" eaLnBrk="1" latinLnBrk="0" hangingPunct="1">
         <a:lnSpc>
           <a:spcPct val="90000"/>
         </a:lnSpc>
         <a:spcBef>
-          <a:spcPts val="400"/>
+          <a:spcPts val="443"/>
         </a:spcBef>
         <a:buFont typeface="Arial" panose="020B0604020202020204" pitchFamily="34" charset="0"/>
         <a:buChar char="•"/>
-        <a:defRPr sz="1920" kern="1200">
+        <a:defRPr sz="2125" kern="1200">
           <a:solidFill>
             <a:schemeClr val="tx1"/>
           </a:solidFill>
@@ -6830,16 +7034,16 @@
           <a:cs typeface="+mn-cs"/>
         </a:defRPr>
       </a:lvl2pPr>
-      <a:lvl3pPr marL="914400" indent="-182880" algn="l" defTabSz="731520" rtl="0" eaLnBrk="1" latinLnBrk="0" hangingPunct="1">
+      <a:lvl3pPr marL="1012012" indent="-202402" algn="l" defTabSz="809610" rtl="0" eaLnBrk="1" latinLnBrk="0" hangingPunct="1">
         <a:lnSpc>
           <a:spcPct val="90000"/>
         </a:lnSpc>
         <a:spcBef>
-          <a:spcPts val="400"/>
+          <a:spcPts val="443"/>
         </a:spcBef>
         <a:buFont typeface="Arial" panose="020B0604020202020204" pitchFamily="34" charset="0"/>
         <a:buChar char="•"/>
-        <a:defRPr sz="1600" kern="1200">
+        <a:defRPr sz="1771" kern="1200">
           <a:solidFill>
             <a:schemeClr val="tx1"/>
           </a:solidFill>
@@ -6848,16 +7052,16 @@
           <a:cs typeface="+mn-cs"/>
         </a:defRPr>
       </a:lvl3pPr>
-      <a:lvl4pPr marL="1280160" indent="-182880" algn="l" defTabSz="731520" rtl="0" eaLnBrk="1" latinLnBrk="0" hangingPunct="1">
+      <a:lvl4pPr marL="1416817" indent="-202402" algn="l" defTabSz="809610" rtl="0" eaLnBrk="1" latinLnBrk="0" hangingPunct="1">
         <a:lnSpc>
           <a:spcPct val="90000"/>
         </a:lnSpc>
         <a:spcBef>
-          <a:spcPts val="400"/>
+          <a:spcPts val="443"/>
         </a:spcBef>
         <a:buFont typeface="Arial" panose="020B0604020202020204" pitchFamily="34" charset="0"/>
         <a:buChar char="•"/>
-        <a:defRPr sz="1440" kern="1200">
+        <a:defRPr sz="1594" kern="1200">
           <a:solidFill>
             <a:schemeClr val="tx1"/>
           </a:solidFill>
@@ -6866,16 +7070,16 @@
           <a:cs typeface="+mn-cs"/>
         </a:defRPr>
       </a:lvl4pPr>
-      <a:lvl5pPr marL="1645920" indent="-182880" algn="l" defTabSz="731520" rtl="0" eaLnBrk="1" latinLnBrk="0" hangingPunct="1">
+      <a:lvl5pPr marL="1821622" indent="-202402" algn="l" defTabSz="809610" rtl="0" eaLnBrk="1" latinLnBrk="0" hangingPunct="1">
         <a:lnSpc>
           <a:spcPct val="90000"/>
         </a:lnSpc>
         <a:spcBef>
-          <a:spcPts val="400"/>
+          <a:spcPts val="443"/>
         </a:spcBef>
         <a:buFont typeface="Arial" panose="020B0604020202020204" pitchFamily="34" charset="0"/>
         <a:buChar char="•"/>
-        <a:defRPr sz="1440" kern="1200">
+        <a:defRPr sz="1594" kern="1200">
           <a:solidFill>
             <a:schemeClr val="tx1"/>
           </a:solidFill>
@@ -6884,16 +7088,16 @@
           <a:cs typeface="+mn-cs"/>
         </a:defRPr>
       </a:lvl5pPr>
-      <a:lvl6pPr marL="2011680" indent="-182880" algn="l" defTabSz="731520" rtl="0" eaLnBrk="1" latinLnBrk="0" hangingPunct="1">
+      <a:lvl6pPr marL="2226427" indent="-202402" algn="l" defTabSz="809610" rtl="0" eaLnBrk="1" latinLnBrk="0" hangingPunct="1">
         <a:lnSpc>
           <a:spcPct val="90000"/>
         </a:lnSpc>
         <a:spcBef>
-          <a:spcPts val="400"/>
+          <a:spcPts val="443"/>
         </a:spcBef>
         <a:buFont typeface="Arial" panose="020B0604020202020204" pitchFamily="34" charset="0"/>
         <a:buChar char="•"/>
-        <a:defRPr sz="1440" kern="1200">
+        <a:defRPr sz="1594" kern="1200">
           <a:solidFill>
             <a:schemeClr val="tx1"/>
           </a:solidFill>
@@ -6902,16 +7106,16 @@
           <a:cs typeface="+mn-cs"/>
         </a:defRPr>
       </a:lvl6pPr>
-      <a:lvl7pPr marL="2377440" indent="-182880" algn="l" defTabSz="731520" rtl="0" eaLnBrk="1" latinLnBrk="0" hangingPunct="1">
+      <a:lvl7pPr marL="2631232" indent="-202402" algn="l" defTabSz="809610" rtl="0" eaLnBrk="1" latinLnBrk="0" hangingPunct="1">
         <a:lnSpc>
           <a:spcPct val="90000"/>
         </a:lnSpc>
         <a:spcBef>
-          <a:spcPts val="400"/>
+          <a:spcPts val="443"/>
         </a:spcBef>
         <a:buFont typeface="Arial" panose="020B0604020202020204" pitchFamily="34" charset="0"/>
         <a:buChar char="•"/>
-        <a:defRPr sz="1440" kern="1200">
+        <a:defRPr sz="1594" kern="1200">
           <a:solidFill>
             <a:schemeClr val="tx1"/>
           </a:solidFill>
@@ -6920,16 +7124,16 @@
           <a:cs typeface="+mn-cs"/>
         </a:defRPr>
       </a:lvl7pPr>
-      <a:lvl8pPr marL="2743200" indent="-182880" algn="l" defTabSz="731520" rtl="0" eaLnBrk="1" latinLnBrk="0" hangingPunct="1">
+      <a:lvl8pPr marL="3036037" indent="-202402" algn="l" defTabSz="809610" rtl="0" eaLnBrk="1" latinLnBrk="0" hangingPunct="1">
         <a:lnSpc>
           <a:spcPct val="90000"/>
         </a:lnSpc>
         <a:spcBef>
-          <a:spcPts val="400"/>
+          <a:spcPts val="443"/>
         </a:spcBef>
         <a:buFont typeface="Arial" panose="020B0604020202020204" pitchFamily="34" charset="0"/>
         <a:buChar char="•"/>
-        <a:defRPr sz="1440" kern="1200">
+        <a:defRPr sz="1594" kern="1200">
           <a:solidFill>
             <a:schemeClr val="tx1"/>
           </a:solidFill>
@@ -6938,16 +7142,16 @@
           <a:cs typeface="+mn-cs"/>
         </a:defRPr>
       </a:lvl8pPr>
-      <a:lvl9pPr marL="3108960" indent="-182880" algn="l" defTabSz="731520" rtl="0" eaLnBrk="1" latinLnBrk="0" hangingPunct="1">
+      <a:lvl9pPr marL="3440841" indent="-202402" algn="l" defTabSz="809610" rtl="0" eaLnBrk="1" latinLnBrk="0" hangingPunct="1">
         <a:lnSpc>
           <a:spcPct val="90000"/>
         </a:lnSpc>
         <a:spcBef>
-          <a:spcPts val="400"/>
+          <a:spcPts val="443"/>
         </a:spcBef>
         <a:buFont typeface="Arial" panose="020B0604020202020204" pitchFamily="34" charset="0"/>
         <a:buChar char="•"/>
-        <a:defRPr sz="1440" kern="1200">
+        <a:defRPr sz="1594" kern="1200">
           <a:solidFill>
             <a:schemeClr val="tx1"/>
           </a:solidFill>
@@ -6961,8 +7165,8 @@
       <a:defPPr>
         <a:defRPr lang="en-US"/>
       </a:defPPr>
-      <a:lvl1pPr marL="0" algn="l" defTabSz="731520" rtl="0" eaLnBrk="1" latinLnBrk="0" hangingPunct="1">
-        <a:defRPr sz="1440" kern="1200">
+      <a:lvl1pPr marL="0" algn="l" defTabSz="809610" rtl="0" eaLnBrk="1" latinLnBrk="0" hangingPunct="1">
+        <a:defRPr sz="1594" kern="1200">
           <a:solidFill>
             <a:schemeClr val="tx1"/>
           </a:solidFill>
@@ -6971,8 +7175,8 @@
           <a:cs typeface="+mn-cs"/>
         </a:defRPr>
       </a:lvl1pPr>
-      <a:lvl2pPr marL="365760" algn="l" defTabSz="731520" rtl="0" eaLnBrk="1" latinLnBrk="0" hangingPunct="1">
-        <a:defRPr sz="1440" kern="1200">
+      <a:lvl2pPr marL="404805" algn="l" defTabSz="809610" rtl="0" eaLnBrk="1" latinLnBrk="0" hangingPunct="1">
+        <a:defRPr sz="1594" kern="1200">
           <a:solidFill>
             <a:schemeClr val="tx1"/>
           </a:solidFill>
@@ -6981,8 +7185,8 @@
           <a:cs typeface="+mn-cs"/>
         </a:defRPr>
       </a:lvl2pPr>
-      <a:lvl3pPr marL="731520" algn="l" defTabSz="731520" rtl="0" eaLnBrk="1" latinLnBrk="0" hangingPunct="1">
-        <a:defRPr sz="1440" kern="1200">
+      <a:lvl3pPr marL="809610" algn="l" defTabSz="809610" rtl="0" eaLnBrk="1" latinLnBrk="0" hangingPunct="1">
+        <a:defRPr sz="1594" kern="1200">
           <a:solidFill>
             <a:schemeClr val="tx1"/>
           </a:solidFill>
@@ -6991,8 +7195,8 @@
           <a:cs typeface="+mn-cs"/>
         </a:defRPr>
       </a:lvl3pPr>
-      <a:lvl4pPr marL="1097280" algn="l" defTabSz="731520" rtl="0" eaLnBrk="1" latinLnBrk="0" hangingPunct="1">
-        <a:defRPr sz="1440" kern="1200">
+      <a:lvl4pPr marL="1214415" algn="l" defTabSz="809610" rtl="0" eaLnBrk="1" latinLnBrk="0" hangingPunct="1">
+        <a:defRPr sz="1594" kern="1200">
           <a:solidFill>
             <a:schemeClr val="tx1"/>
           </a:solidFill>
@@ -7001,8 +7205,8 @@
           <a:cs typeface="+mn-cs"/>
         </a:defRPr>
       </a:lvl4pPr>
-      <a:lvl5pPr marL="1463040" algn="l" defTabSz="731520" rtl="0" eaLnBrk="1" latinLnBrk="0" hangingPunct="1">
-        <a:defRPr sz="1440" kern="1200">
+      <a:lvl5pPr marL="1619220" algn="l" defTabSz="809610" rtl="0" eaLnBrk="1" latinLnBrk="0" hangingPunct="1">
+        <a:defRPr sz="1594" kern="1200">
           <a:solidFill>
             <a:schemeClr val="tx1"/>
           </a:solidFill>
@@ -7011,8 +7215,8 @@
           <a:cs typeface="+mn-cs"/>
         </a:defRPr>
       </a:lvl5pPr>
-      <a:lvl6pPr marL="1828800" algn="l" defTabSz="731520" rtl="0" eaLnBrk="1" latinLnBrk="0" hangingPunct="1">
-        <a:defRPr sz="1440" kern="1200">
+      <a:lvl6pPr marL="2024024" algn="l" defTabSz="809610" rtl="0" eaLnBrk="1" latinLnBrk="0" hangingPunct="1">
+        <a:defRPr sz="1594" kern="1200">
           <a:solidFill>
             <a:schemeClr val="tx1"/>
           </a:solidFill>
@@ -7021,8 +7225,8 @@
           <a:cs typeface="+mn-cs"/>
         </a:defRPr>
       </a:lvl6pPr>
-      <a:lvl7pPr marL="2194560" algn="l" defTabSz="731520" rtl="0" eaLnBrk="1" latinLnBrk="0" hangingPunct="1">
-        <a:defRPr sz="1440" kern="1200">
+      <a:lvl7pPr marL="2428829" algn="l" defTabSz="809610" rtl="0" eaLnBrk="1" latinLnBrk="0" hangingPunct="1">
+        <a:defRPr sz="1594" kern="1200">
           <a:solidFill>
             <a:schemeClr val="tx1"/>
           </a:solidFill>
@@ -7031,8 +7235,8 @@
           <a:cs typeface="+mn-cs"/>
         </a:defRPr>
       </a:lvl7pPr>
-      <a:lvl8pPr marL="2560320" algn="l" defTabSz="731520" rtl="0" eaLnBrk="1" latinLnBrk="0" hangingPunct="1">
-        <a:defRPr sz="1440" kern="1200">
+      <a:lvl8pPr marL="2833634" algn="l" defTabSz="809610" rtl="0" eaLnBrk="1" latinLnBrk="0" hangingPunct="1">
+        <a:defRPr sz="1594" kern="1200">
           <a:solidFill>
             <a:schemeClr val="tx1"/>
           </a:solidFill>
@@ -7041,8 +7245,8 @@
           <a:cs typeface="+mn-cs"/>
         </a:defRPr>
       </a:lvl8pPr>
-      <a:lvl9pPr marL="2926080" algn="l" defTabSz="731520" rtl="0" eaLnBrk="1" latinLnBrk="0" hangingPunct="1">
-        <a:defRPr sz="1440" kern="1200">
+      <a:lvl9pPr marL="3238439" algn="l" defTabSz="809610" rtl="0" eaLnBrk="1" latinLnBrk="0" hangingPunct="1">
+        <a:defRPr sz="1594" kern="1200">
           <a:solidFill>
             <a:schemeClr val="tx1"/>
           </a:solidFill>
@@ -7073,124 +7277,145 @@
           <a:chExt cx="0" cy="0"/>
         </a:xfrm>
       </p:grpSpPr>
-      <p:graphicFrame>
-        <p:nvGraphicFramePr>
-          <p:cNvPr id="11" name="Chart 10">
+      <p:grpSp>
+        <p:nvGrpSpPr>
+          <p:cNvPr id="2" name="Group 1">
             <a:extLst>
               <a:ext uri="{FF2B5EF4-FFF2-40B4-BE49-F238E27FC236}">
-                <a16:creationId xmlns:a16="http://schemas.microsoft.com/office/drawing/2014/main" id="{E4FBF763-3539-4983-B89B-D3CE64658414}"/>
+                <a16:creationId xmlns:a16="http://schemas.microsoft.com/office/drawing/2014/main" id="{8970AE21-F46B-4A20-889A-CE772B3B7173}"/>
               </a:ext>
             </a:extLst>
           </p:cNvPr>
-          <p:cNvGraphicFramePr/>
-          <p:nvPr>
-            <p:extLst>
-              <p:ext uri="{D42A27DB-BD31-4B8C-83A1-F6EECF244321}">
-                <p14:modId xmlns:p14="http://schemas.microsoft.com/office/powerpoint/2010/main" val="800398031"/>
-              </p:ext>
-            </p:extLst>
-          </p:nvPr>
-        </p:nvGraphicFramePr>
-        <p:xfrm>
-          <a:off x="0" y="-5"/>
-          <a:ext cx="11207900" cy="5486401"/>
-        </p:xfrm>
-        <a:graphic>
-          <a:graphicData uri="http://schemas.openxmlformats.org/drawingml/2006/chart">
-            <c:chart xmlns:c="http://schemas.openxmlformats.org/drawingml/2006/chart" xmlns:r="http://schemas.openxmlformats.org/officeDocument/2006/relationships" r:id="rId2"/>
-          </a:graphicData>
-        </a:graphic>
-      </p:graphicFrame>
-      <p:graphicFrame>
-        <p:nvGraphicFramePr>
-          <p:cNvPr id="12" name="Chart 11">
-            <a:extLst>
-              <a:ext uri="{FF2B5EF4-FFF2-40B4-BE49-F238E27FC236}">
-                <a16:creationId xmlns:a16="http://schemas.microsoft.com/office/drawing/2014/main" id="{2B1CD455-2FA6-4E13-BBCC-9C52C58494BB}"/>
-              </a:ext>
-            </a:extLst>
-          </p:cNvPr>
-          <p:cNvGraphicFramePr>
-            <a:graphicFrameLocks/>
-          </p:cNvGraphicFramePr>
-          <p:nvPr>
-            <p:extLst>
-              <p:ext uri="{D42A27DB-BD31-4B8C-83A1-F6EECF244321}">
-                <p14:modId xmlns:p14="http://schemas.microsoft.com/office/powerpoint/2010/main" val="2548086568"/>
-              </p:ext>
-            </p:extLst>
-          </p:nvPr>
-        </p:nvGraphicFramePr>
-        <p:xfrm>
-          <a:off x="8175542" y="4"/>
-          <a:ext cx="11207900" cy="5486401"/>
-        </p:xfrm>
-        <a:graphic>
-          <a:graphicData uri="http://schemas.openxmlformats.org/drawingml/2006/chart">
-            <c:chart xmlns:c="http://schemas.openxmlformats.org/drawingml/2006/chart" xmlns:r="http://schemas.openxmlformats.org/officeDocument/2006/relationships" r:id="rId3"/>
-          </a:graphicData>
-        </a:graphic>
-      </p:graphicFrame>
-      <p:graphicFrame>
-        <p:nvGraphicFramePr>
-          <p:cNvPr id="13" name="Chart 12">
-            <a:extLst>
-              <a:ext uri="{FF2B5EF4-FFF2-40B4-BE49-F238E27FC236}">
-                <a16:creationId xmlns:a16="http://schemas.microsoft.com/office/drawing/2014/main" id="{F74A6C07-F46F-4494-BC5C-C5D8CC265BFF}"/>
-              </a:ext>
-            </a:extLst>
-          </p:cNvPr>
-          <p:cNvGraphicFramePr>
-            <a:graphicFrameLocks/>
-          </p:cNvGraphicFramePr>
-          <p:nvPr>
-            <p:extLst>
-              <p:ext uri="{D42A27DB-BD31-4B8C-83A1-F6EECF244321}">
-                <p14:modId xmlns:p14="http://schemas.microsoft.com/office/powerpoint/2010/main" val="3719478113"/>
-              </p:ext>
-            </p:extLst>
-          </p:nvPr>
-        </p:nvGraphicFramePr>
-        <p:xfrm>
-          <a:off x="16735359" y="2"/>
-          <a:ext cx="11207900" cy="5486401"/>
-        </p:xfrm>
-        <a:graphic>
-          <a:graphicData uri="http://schemas.openxmlformats.org/drawingml/2006/chart">
-            <c:chart xmlns:c="http://schemas.openxmlformats.org/drawingml/2006/chart" xmlns:r="http://schemas.openxmlformats.org/officeDocument/2006/relationships" r:id="rId4"/>
-          </a:graphicData>
-        </a:graphic>
-      </p:graphicFrame>
-      <p:graphicFrame>
-        <p:nvGraphicFramePr>
-          <p:cNvPr id="14" name="Chart 13">
-            <a:extLst>
-              <a:ext uri="{FF2B5EF4-FFF2-40B4-BE49-F238E27FC236}">
-                <a16:creationId xmlns:a16="http://schemas.microsoft.com/office/drawing/2014/main" id="{CE6FAAED-05B1-4D56-8A2B-657874CB3BB0}"/>
-              </a:ext>
-            </a:extLst>
-          </p:cNvPr>
-          <p:cNvGraphicFramePr>
-            <a:graphicFrameLocks/>
-          </p:cNvGraphicFramePr>
-          <p:nvPr>
-            <p:extLst>
-              <p:ext uri="{D42A27DB-BD31-4B8C-83A1-F6EECF244321}">
-                <p14:modId xmlns:p14="http://schemas.microsoft.com/office/powerpoint/2010/main" val="3769411096"/>
-              </p:ext>
-            </p:extLst>
-          </p:nvPr>
-        </p:nvGraphicFramePr>
-        <p:xfrm>
-          <a:off x="24484179" y="-6"/>
-          <a:ext cx="11207900" cy="5486401"/>
-        </p:xfrm>
-        <a:graphic>
-          <a:graphicData uri="http://schemas.openxmlformats.org/drawingml/2006/chart">
-            <c:chart xmlns:c="http://schemas.openxmlformats.org/drawingml/2006/chart" xmlns:r="http://schemas.openxmlformats.org/officeDocument/2006/relationships" r:id="rId5"/>
-          </a:graphicData>
-        </a:graphic>
-      </p:graphicFrame>
+          <p:cNvGrpSpPr/>
+          <p:nvPr/>
+        </p:nvGrpSpPr>
+        <p:grpSpPr>
+          <a:xfrm>
+            <a:off x="443763" y="-83089"/>
+            <a:ext cx="33859673" cy="6117177"/>
+            <a:chOff x="887527" y="-2"/>
+            <a:chExt cx="33859673" cy="5758941"/>
+          </a:xfrm>
+        </p:grpSpPr>
+        <p:graphicFrame>
+          <p:nvGraphicFramePr>
+            <p:cNvPr id="11" name="Chart 10">
+              <a:extLst>
+                <a:ext uri="{FF2B5EF4-FFF2-40B4-BE49-F238E27FC236}">
+                  <a16:creationId xmlns:a16="http://schemas.microsoft.com/office/drawing/2014/main" id="{E4FBF763-3539-4983-B89B-D3CE64658414}"/>
+                </a:ext>
+              </a:extLst>
+            </p:cNvPr>
+            <p:cNvGraphicFramePr/>
+            <p:nvPr>
+              <p:extLst>
+                <p:ext uri="{D42A27DB-BD31-4B8C-83A1-F6EECF244321}">
+                  <p14:modId xmlns:p14="http://schemas.microsoft.com/office/powerpoint/2010/main" val="2533324313"/>
+                </p:ext>
+              </p:extLst>
+            </p:nvPr>
+          </p:nvGraphicFramePr>
+          <p:xfrm>
+            <a:off x="887527" y="0"/>
+            <a:ext cx="10632494" cy="5758939"/>
+          </p:xfrm>
+          <a:graphic>
+            <a:graphicData uri="http://schemas.openxmlformats.org/drawingml/2006/chart">
+              <c:chart xmlns:c="http://schemas.openxmlformats.org/drawingml/2006/chart" xmlns:r="http://schemas.openxmlformats.org/officeDocument/2006/relationships" r:id="rId2"/>
+            </a:graphicData>
+          </a:graphic>
+        </p:graphicFrame>
+        <p:graphicFrame>
+          <p:nvGraphicFramePr>
+            <p:cNvPr id="12" name="Chart 11">
+              <a:extLst>
+                <a:ext uri="{FF2B5EF4-FFF2-40B4-BE49-F238E27FC236}">
+                  <a16:creationId xmlns:a16="http://schemas.microsoft.com/office/drawing/2014/main" id="{2B1CD455-2FA6-4E13-BBCC-9C52C58494BB}"/>
+                </a:ext>
+              </a:extLst>
+            </p:cNvPr>
+            <p:cNvGraphicFramePr>
+              <a:graphicFrameLocks/>
+            </p:cNvGraphicFramePr>
+            <p:nvPr>
+              <p:extLst>
+                <p:ext uri="{D42A27DB-BD31-4B8C-83A1-F6EECF244321}">
+                  <p14:modId xmlns:p14="http://schemas.microsoft.com/office/powerpoint/2010/main" val="2000290785"/>
+                </p:ext>
+              </p:extLst>
+            </p:nvPr>
+          </p:nvGraphicFramePr>
+          <p:xfrm>
+            <a:off x="8643344" y="10"/>
+            <a:ext cx="10632494" cy="5758928"/>
+          </p:xfrm>
+          <a:graphic>
+            <a:graphicData uri="http://schemas.openxmlformats.org/drawingml/2006/chart">
+              <c:chart xmlns:c="http://schemas.openxmlformats.org/drawingml/2006/chart" xmlns:r="http://schemas.openxmlformats.org/officeDocument/2006/relationships" r:id="rId3"/>
+            </a:graphicData>
+          </a:graphic>
+        </p:graphicFrame>
+        <p:graphicFrame>
+          <p:nvGraphicFramePr>
+            <p:cNvPr id="13" name="Chart 12">
+              <a:extLst>
+                <a:ext uri="{FF2B5EF4-FFF2-40B4-BE49-F238E27FC236}">
+                  <a16:creationId xmlns:a16="http://schemas.microsoft.com/office/drawing/2014/main" id="{F74A6C07-F46F-4494-BC5C-C5D8CC265BFF}"/>
+                </a:ext>
+              </a:extLst>
+            </p:cNvPr>
+            <p:cNvGraphicFramePr>
+              <a:graphicFrameLocks/>
+            </p:cNvGraphicFramePr>
+            <p:nvPr>
+              <p:extLst>
+                <p:ext uri="{D42A27DB-BD31-4B8C-83A1-F6EECF244321}">
+                  <p14:modId xmlns:p14="http://schemas.microsoft.com/office/powerpoint/2010/main" val="966512898"/>
+                </p:ext>
+              </p:extLst>
+            </p:nvPr>
+          </p:nvGraphicFramePr>
+          <p:xfrm>
+            <a:off x="16763706" y="8"/>
+            <a:ext cx="10632494" cy="5758928"/>
+          </p:xfrm>
+          <a:graphic>
+            <a:graphicData uri="http://schemas.openxmlformats.org/drawingml/2006/chart">
+              <c:chart xmlns:c="http://schemas.openxmlformats.org/drawingml/2006/chart" xmlns:r="http://schemas.openxmlformats.org/officeDocument/2006/relationships" r:id="rId4"/>
+            </a:graphicData>
+          </a:graphic>
+        </p:graphicFrame>
+        <p:graphicFrame>
+          <p:nvGraphicFramePr>
+            <p:cNvPr id="14" name="Chart 13">
+              <a:extLst>
+                <a:ext uri="{FF2B5EF4-FFF2-40B4-BE49-F238E27FC236}">
+                  <a16:creationId xmlns:a16="http://schemas.microsoft.com/office/drawing/2014/main" id="{CE6FAAED-05B1-4D56-8A2B-657874CB3BB0}"/>
+                </a:ext>
+              </a:extLst>
+            </p:cNvPr>
+            <p:cNvGraphicFramePr>
+              <a:graphicFrameLocks/>
+            </p:cNvGraphicFramePr>
+            <p:nvPr>
+              <p:extLst>
+                <p:ext uri="{D42A27DB-BD31-4B8C-83A1-F6EECF244321}">
+                  <p14:modId xmlns:p14="http://schemas.microsoft.com/office/powerpoint/2010/main" val="3715538229"/>
+                </p:ext>
+              </p:extLst>
+            </p:nvPr>
+          </p:nvGraphicFramePr>
+          <p:xfrm>
+            <a:off x="24114706" y="-2"/>
+            <a:ext cx="10632494" cy="5758928"/>
+          </p:xfrm>
+          <a:graphic>
+            <a:graphicData uri="http://schemas.openxmlformats.org/drawingml/2006/chart">
+              <c:chart xmlns:c="http://schemas.openxmlformats.org/drawingml/2006/chart" xmlns:r="http://schemas.openxmlformats.org/officeDocument/2006/relationships" r:id="rId5"/>
+            </a:graphicData>
+          </a:graphic>
+        </p:graphicFrame>
+      </p:grpSp>
     </p:spTree>
     <p:extLst>
       <p:ext uri="{BB962C8B-B14F-4D97-AF65-F5344CB8AC3E}">
